--- a/Database Design/ERD.pptx
+++ b/Database Design/ERD.pptx
@@ -243,7 +243,7 @@
           <a:p>
             <a:fld id="{345AA258-130E-4B32-B9F9-739550C84EB7}" type="datetimeFigureOut">
               <a:rPr lang="en-US" smtClean="0"/>
-              <a:t>2/6/2018</a:t>
+              <a:t>3/7/2018</a:t>
             </a:fld>
             <a:endParaRPr lang="en-US"/>
           </a:p>
@@ -413,7 +413,7 @@
           <a:p>
             <a:fld id="{345AA258-130E-4B32-B9F9-739550C84EB7}" type="datetimeFigureOut">
               <a:rPr lang="en-US" smtClean="0"/>
-              <a:t>2/6/2018</a:t>
+              <a:t>3/7/2018</a:t>
             </a:fld>
             <a:endParaRPr lang="en-US"/>
           </a:p>
@@ -593,7 +593,7 @@
           <a:p>
             <a:fld id="{345AA258-130E-4B32-B9F9-739550C84EB7}" type="datetimeFigureOut">
               <a:rPr lang="en-US" smtClean="0"/>
-              <a:t>2/6/2018</a:t>
+              <a:t>3/7/2018</a:t>
             </a:fld>
             <a:endParaRPr lang="en-US"/>
           </a:p>
@@ -763,7 +763,7 @@
           <a:p>
             <a:fld id="{345AA258-130E-4B32-B9F9-739550C84EB7}" type="datetimeFigureOut">
               <a:rPr lang="en-US" smtClean="0"/>
-              <a:t>2/6/2018</a:t>
+              <a:t>3/7/2018</a:t>
             </a:fld>
             <a:endParaRPr lang="en-US"/>
           </a:p>
@@ -1007,7 +1007,7 @@
           <a:p>
             <a:fld id="{345AA258-130E-4B32-B9F9-739550C84EB7}" type="datetimeFigureOut">
               <a:rPr lang="en-US" smtClean="0"/>
-              <a:t>2/6/2018</a:t>
+              <a:t>3/7/2018</a:t>
             </a:fld>
             <a:endParaRPr lang="en-US"/>
           </a:p>
@@ -1239,7 +1239,7 @@
           <a:p>
             <a:fld id="{345AA258-130E-4B32-B9F9-739550C84EB7}" type="datetimeFigureOut">
               <a:rPr lang="en-US" smtClean="0"/>
-              <a:t>2/6/2018</a:t>
+              <a:t>3/7/2018</a:t>
             </a:fld>
             <a:endParaRPr lang="en-US"/>
           </a:p>
@@ -1606,7 +1606,7 @@
           <a:p>
             <a:fld id="{345AA258-130E-4B32-B9F9-739550C84EB7}" type="datetimeFigureOut">
               <a:rPr lang="en-US" smtClean="0"/>
-              <a:t>2/6/2018</a:t>
+              <a:t>3/7/2018</a:t>
             </a:fld>
             <a:endParaRPr lang="en-US"/>
           </a:p>
@@ -1724,7 +1724,7 @@
           <a:p>
             <a:fld id="{345AA258-130E-4B32-B9F9-739550C84EB7}" type="datetimeFigureOut">
               <a:rPr lang="en-US" smtClean="0"/>
-              <a:t>2/6/2018</a:t>
+              <a:t>3/7/2018</a:t>
             </a:fld>
             <a:endParaRPr lang="en-US"/>
           </a:p>
@@ -1819,7 +1819,7 @@
           <a:p>
             <a:fld id="{345AA258-130E-4B32-B9F9-739550C84EB7}" type="datetimeFigureOut">
               <a:rPr lang="en-US" smtClean="0"/>
-              <a:t>2/6/2018</a:t>
+              <a:t>3/7/2018</a:t>
             </a:fld>
             <a:endParaRPr lang="en-US"/>
           </a:p>
@@ -2096,7 +2096,7 @@
           <a:p>
             <a:fld id="{345AA258-130E-4B32-B9F9-739550C84EB7}" type="datetimeFigureOut">
               <a:rPr lang="en-US" smtClean="0"/>
-              <a:t>2/6/2018</a:t>
+              <a:t>3/7/2018</a:t>
             </a:fld>
             <a:endParaRPr lang="en-US"/>
           </a:p>
@@ -2353,7 +2353,7 @@
           <a:p>
             <a:fld id="{345AA258-130E-4B32-B9F9-739550C84EB7}" type="datetimeFigureOut">
               <a:rPr lang="en-US" smtClean="0"/>
-              <a:t>2/6/2018</a:t>
+              <a:t>3/7/2018</a:t>
             </a:fld>
             <a:endParaRPr lang="en-US"/>
           </a:p>
@@ -2566,7 +2566,7 @@
           <a:p>
             <a:fld id="{345AA258-130E-4B32-B9F9-739550C84EB7}" type="datetimeFigureOut">
               <a:rPr lang="en-US" smtClean="0"/>
-              <a:t>2/6/2018</a:t>
+              <a:t>3/7/2018</a:t>
             </a:fld>
             <a:endParaRPr lang="en-US"/>
           </a:p>
@@ -3019,7 +3019,7 @@
                   <a:schemeClr val="tx1"/>
                 </a:solidFill>
               </a:rPr>
-              <a:t>OwnerID</a:t>
+              <a:t>uid</a:t>
             </a:r>
             <a:endParaRPr lang="en-US" sz="1400" u="sng" dirty="0">
               <a:solidFill>
@@ -3412,7 +3412,7 @@
                   <a:schemeClr val="tx1"/>
                 </a:solidFill>
               </a:rPr>
-              <a:t>Email</a:t>
+              <a:t>email</a:t>
             </a:r>
           </a:p>
         </p:txBody>
@@ -3471,7 +3471,7 @@
                   <a:schemeClr val="tx1"/>
                 </a:solidFill>
               </a:rPr>
-              <a:t>Password</a:t>
+              <a:t>password</a:t>
             </a:r>
           </a:p>
         </p:txBody>
@@ -3848,13 +3848,18 @@
           <a:p>
             <a:pPr algn="ctr"/>
             <a:r>
-              <a:rPr lang="en-US" sz="1400" dirty="0">
+              <a:rPr lang="en-US" sz="1400" dirty="0" err="1">
                 <a:solidFill>
                   <a:schemeClr val="tx1"/>
                 </a:solidFill>
               </a:rPr>
-              <a:t>Fname</a:t>
-            </a:r>
+              <a:t>TFname</a:t>
+            </a:r>
+            <a:endParaRPr lang="en-US" sz="1400" dirty="0">
+              <a:solidFill>
+                <a:schemeClr val="tx1"/>
+              </a:solidFill>
+            </a:endParaRPr>
           </a:p>
         </p:txBody>
       </p:sp>
@@ -3907,13 +3912,18 @@
           <a:p>
             <a:pPr algn="ctr"/>
             <a:r>
-              <a:rPr lang="en-US" sz="1400" dirty="0">
+              <a:rPr lang="en-US" sz="1400" dirty="0" err="1">
                 <a:solidFill>
                   <a:schemeClr val="tx1"/>
                 </a:solidFill>
               </a:rPr>
-              <a:t>Lname</a:t>
-            </a:r>
+              <a:t>TLname</a:t>
+            </a:r>
+            <a:endParaRPr lang="en-US" sz="1400" dirty="0">
+              <a:solidFill>
+                <a:schemeClr val="tx1"/>
+              </a:solidFill>
+            </a:endParaRPr>
           </a:p>
         </p:txBody>
       </p:sp>
@@ -3931,8 +3941,8 @@
         </p:nvSpPr>
         <p:spPr>
           <a:xfrm>
-            <a:off x="610706" y="5577641"/>
-            <a:ext cx="1236792" cy="333453"/>
+            <a:off x="448114" y="5577641"/>
+            <a:ext cx="1529821" cy="333453"/>
           </a:xfrm>
           <a:prstGeom prst="ellipse">
             <a:avLst/>
@@ -3966,13 +3976,18 @@
           <a:p>
             <a:pPr algn="ctr"/>
             <a:r>
-              <a:rPr lang="en-US" sz="1400" dirty="0">
+              <a:rPr lang="en-US" sz="1400" dirty="0" err="1">
                 <a:solidFill>
                   <a:schemeClr val="tx1"/>
                 </a:solidFill>
               </a:rPr>
-              <a:t>Email</a:t>
-            </a:r>
+              <a:t>TenantEmail</a:t>
+            </a:r>
+            <a:endParaRPr lang="en-US" sz="1400" dirty="0">
+              <a:solidFill>
+                <a:schemeClr val="tx1"/>
+              </a:solidFill>
+            </a:endParaRPr>
           </a:p>
         </p:txBody>
       </p:sp>
@@ -4074,8 +4089,8 @@
         </p:nvCxnSpPr>
         <p:spPr>
           <a:xfrm flipV="1">
-            <a:off x="1847498" y="5087340"/>
-            <a:ext cx="541205" cy="657028"/>
+            <a:off x="1977935" y="5087340"/>
+            <a:ext cx="410768" cy="657028"/>
           </a:xfrm>
           <a:prstGeom prst="line">
             <a:avLst/>
@@ -4157,65 +4172,6 @@
       </p:sp>
       <p:sp>
         <p:nvSpPr>
-          <p:cNvPr id="84" name="Oval 83">
-            <a:extLst>
-              <a:ext uri="{FF2B5EF4-FFF2-40B4-BE49-F238E27FC236}">
-                <a16:creationId xmlns:a16="http://schemas.microsoft.com/office/drawing/2014/main" id="{C22DB736-AAE4-408B-8419-76566FBE784E}"/>
-              </a:ext>
-            </a:extLst>
-          </p:cNvPr>
-          <p:cNvSpPr/>
-          <p:nvPr/>
-        </p:nvSpPr>
-        <p:spPr>
-          <a:xfrm>
-            <a:off x="8621579" y="1520899"/>
-            <a:ext cx="1188670" cy="480021"/>
-          </a:xfrm>
-          <a:prstGeom prst="ellipse">
-            <a:avLst/>
-          </a:prstGeom>
-          <a:solidFill>
-            <a:schemeClr val="accent4">
-              <a:lumMod val="20000"/>
-              <a:lumOff val="80000"/>
-            </a:schemeClr>
-          </a:solidFill>
-        </p:spPr>
-        <p:style>
-          <a:lnRef idx="2">
-            <a:schemeClr val="accent1">
-              <a:shade val="50000"/>
-            </a:schemeClr>
-          </a:lnRef>
-          <a:fillRef idx="1">
-            <a:schemeClr val="accent1"/>
-          </a:fillRef>
-          <a:effectRef idx="0">
-            <a:schemeClr val="accent1"/>
-          </a:effectRef>
-          <a:fontRef idx="minor">
-            <a:schemeClr val="lt1"/>
-          </a:fontRef>
-        </p:style>
-        <p:txBody>
-          <a:bodyPr rtlCol="0" anchor="ctr"/>
-          <a:lstStyle/>
-          <a:p>
-            <a:pPr algn="ctr"/>
-            <a:r>
-              <a:rPr lang="en-US" sz="1400" dirty="0">
-                <a:solidFill>
-                  <a:schemeClr val="tx1"/>
-                </a:solidFill>
-              </a:rPr>
-              <a:t>Address</a:t>
-            </a:r>
-          </a:p>
-        </p:txBody>
-      </p:sp>
-      <p:sp>
-        <p:nvSpPr>
           <p:cNvPr id="85" name="Oval 84">
             <a:extLst>
               <a:ext uri="{FF2B5EF4-FFF2-40B4-BE49-F238E27FC236}">
@@ -4228,7 +4184,7 @@
         </p:nvSpPr>
         <p:spPr>
           <a:xfrm>
-            <a:off x="10432125" y="1022540"/>
+            <a:off x="9720050" y="1801232"/>
             <a:ext cx="736484" cy="377663"/>
           </a:xfrm>
           <a:prstGeom prst="ellipse">
@@ -4287,7 +4243,7 @@
         </p:nvSpPr>
         <p:spPr>
           <a:xfrm>
-            <a:off x="10407328" y="1400203"/>
+            <a:off x="9699254" y="2189593"/>
             <a:ext cx="796356" cy="377663"/>
           </a:xfrm>
           <a:prstGeom prst="ellipse">
@@ -4346,7 +4302,7 @@
         </p:nvSpPr>
         <p:spPr>
           <a:xfrm>
-            <a:off x="10513464" y="1777866"/>
+            <a:off x="9805390" y="2577955"/>
             <a:ext cx="584084" cy="377663"/>
           </a:xfrm>
           <a:prstGeom prst="ellipse">
@@ -4405,8 +4361,8 @@
         </p:nvSpPr>
         <p:spPr>
           <a:xfrm>
-            <a:off x="10251373" y="2157720"/>
-            <a:ext cx="1097988" cy="515584"/>
+            <a:off x="9539298" y="1423569"/>
+            <a:ext cx="1097988" cy="375472"/>
           </a:xfrm>
           <a:prstGeom prst="ellipse">
             <a:avLst/>
@@ -4445,7 +4401,7 @@
                   <a:schemeClr val="tx1"/>
                 </a:solidFill>
               </a:rPr>
-              <a:t>Street Address</a:t>
+              <a:t>Address</a:t>
             </a:r>
           </a:p>
         </p:txBody>
@@ -4462,14 +4418,14 @@
           <p:cNvCxnSpPr>
             <a:cxnSpLocks/>
             <a:stCxn id="85" idx="2"/>
-            <a:endCxn id="84" idx="6"/>
+            <a:endCxn id="74" idx="3"/>
           </p:cNvCxnSpPr>
           <p:nvPr/>
         </p:nvCxnSpPr>
         <p:spPr>
           <a:xfrm flipH="1">
-            <a:off x="9810249" y="1211372"/>
-            <a:ext cx="621876" cy="549538"/>
+            <a:off x="8699246" y="1990064"/>
+            <a:ext cx="1020804" cy="662316"/>
           </a:xfrm>
           <a:prstGeom prst="line">
             <a:avLst/>
@@ -4508,14 +4464,14 @@
           <p:cNvCxnSpPr>
             <a:cxnSpLocks/>
             <a:stCxn id="86" idx="2"/>
-            <a:endCxn id="84" idx="6"/>
+            <a:endCxn id="74" idx="3"/>
           </p:cNvCxnSpPr>
           <p:nvPr/>
         </p:nvCxnSpPr>
         <p:spPr>
           <a:xfrm flipH="1">
-            <a:off x="9810249" y="1589035"/>
-            <a:ext cx="597079" cy="171875"/>
+            <a:off x="8699246" y="2378425"/>
+            <a:ext cx="1000008" cy="273955"/>
           </a:xfrm>
           <a:prstGeom prst="line">
             <a:avLst/>
@@ -4554,14 +4510,14 @@
           <p:cNvCxnSpPr>
             <a:cxnSpLocks/>
             <a:stCxn id="87" idx="2"/>
-            <a:endCxn id="84" idx="6"/>
+            <a:endCxn id="74" idx="3"/>
           </p:cNvCxnSpPr>
           <p:nvPr/>
         </p:nvCxnSpPr>
         <p:spPr>
           <a:xfrm flipH="1" flipV="1">
-            <a:off x="9810249" y="1760910"/>
-            <a:ext cx="703215" cy="205788"/>
+            <a:off x="8699246" y="2652380"/>
+            <a:ext cx="1106144" cy="114407"/>
           </a:xfrm>
           <a:prstGeom prst="line">
             <a:avLst/>
@@ -4600,14 +4556,14 @@
           <p:cNvCxnSpPr>
             <a:cxnSpLocks/>
             <a:stCxn id="88" idx="2"/>
-            <a:endCxn id="84" idx="6"/>
+            <a:endCxn id="74" idx="3"/>
           </p:cNvCxnSpPr>
           <p:nvPr/>
         </p:nvCxnSpPr>
         <p:spPr>
-          <a:xfrm flipH="1" flipV="1">
-            <a:off x="9810249" y="1760910"/>
-            <a:ext cx="441124" cy="654602"/>
+          <a:xfrm flipH="1">
+            <a:off x="8699246" y="1611305"/>
+            <a:ext cx="840052" cy="1041075"/>
           </a:xfrm>
           <a:prstGeom prst="line">
             <a:avLst/>
@@ -4618,46 +4574,6 @@
               <a:lumOff val="80000"/>
             </a:schemeClr>
           </a:solidFill>
-        </p:spPr>
-        <p:style>
-          <a:lnRef idx="1">
-            <a:schemeClr val="accent1"/>
-          </a:lnRef>
-          <a:fillRef idx="0">
-            <a:schemeClr val="accent1"/>
-          </a:fillRef>
-          <a:effectRef idx="0">
-            <a:schemeClr val="accent1"/>
-          </a:effectRef>
-          <a:fontRef idx="minor">
-            <a:schemeClr val="tx1"/>
-          </a:fontRef>
-        </p:style>
-      </p:cxnSp>
-      <p:cxnSp>
-        <p:nvCxnSpPr>
-          <p:cNvPr id="104" name="Straight Connector 103">
-            <a:extLst>
-              <a:ext uri="{FF2B5EF4-FFF2-40B4-BE49-F238E27FC236}">
-                <a16:creationId xmlns:a16="http://schemas.microsoft.com/office/drawing/2014/main" id="{31E143CC-1BDA-4A00-BDDC-12329AAE9EC7}"/>
-              </a:ext>
-            </a:extLst>
-          </p:cNvPr>
-          <p:cNvCxnSpPr>
-            <a:cxnSpLocks/>
-            <a:stCxn id="74" idx="3"/>
-            <a:endCxn id="84" idx="4"/>
-          </p:cNvCxnSpPr>
-          <p:nvPr/>
-        </p:nvCxnSpPr>
-        <p:spPr>
-          <a:xfrm flipV="1">
-            <a:off x="8699246" y="2000920"/>
-            <a:ext cx="516668" cy="651460"/>
-          </a:xfrm>
-          <a:prstGeom prst="line">
-            <a:avLst/>
-          </a:prstGeom>
         </p:spPr>
         <p:style>
           <a:lnRef idx="1">
@@ -5058,7 +4974,7 @@
                   <a:schemeClr val="tx1"/>
                 </a:solidFill>
               </a:rPr>
-              <a:t>PropertyID</a:t>
+              <a:t>propertyid</a:t>
             </a:r>
             <a:endParaRPr lang="en-US" sz="1400" u="sng" dirty="0">
               <a:solidFill>
@@ -5811,7 +5727,7 @@
         <p:spPr>
           <a:xfrm>
             <a:off x="10636574" y="6307962"/>
-            <a:ext cx="860547" cy="515584"/>
+            <a:ext cx="912921" cy="377663"/>
           </a:xfrm>
           <a:prstGeom prst="ellipse">
             <a:avLst/>
@@ -5845,13 +5761,18 @@
           <a:p>
             <a:pPr algn="ctr"/>
             <a:r>
-              <a:rPr lang="en-US" sz="1400" dirty="0">
+              <a:rPr lang="en-US" sz="1400" dirty="0" err="1">
                 <a:solidFill>
                   <a:schemeClr val="tx1"/>
                 </a:solidFill>
               </a:rPr>
-              <a:t>Asset Type</a:t>
-            </a:r>
+              <a:t>AType</a:t>
+            </a:r>
+            <a:endParaRPr lang="en-US" sz="1400" dirty="0">
+              <a:solidFill>
+                <a:schemeClr val="tx1"/>
+              </a:solidFill>
+            </a:endParaRPr>
           </a:p>
         </p:txBody>
       </p:sp>
@@ -5920,7 +5841,7 @@
         <p:spPr>
           <a:xfrm>
             <a:off x="10468393" y="5900257"/>
-            <a:ext cx="294205" cy="483211"/>
+            <a:ext cx="301875" cy="463012"/>
           </a:xfrm>
           <a:prstGeom prst="line">
             <a:avLst/>
@@ -5947,6 +5868,325 @@
           </a:fontRef>
         </p:style>
       </p:cxnSp>
+      <p:sp>
+        <p:nvSpPr>
+          <p:cNvPr id="73" name="Oval 72">
+            <a:extLst>
+              <a:ext uri="{FF2B5EF4-FFF2-40B4-BE49-F238E27FC236}">
+                <a16:creationId xmlns:a16="http://schemas.microsoft.com/office/drawing/2014/main" id="{CC5A7C41-A32F-4500-AEF4-075A14927BFA}"/>
+              </a:ext>
+            </a:extLst>
+          </p:cNvPr>
+          <p:cNvSpPr/>
+          <p:nvPr/>
+        </p:nvSpPr>
+        <p:spPr>
+          <a:xfrm>
+            <a:off x="7910867" y="760462"/>
+            <a:ext cx="1792551" cy="515584"/>
+          </a:xfrm>
+          <a:prstGeom prst="ellipse">
+            <a:avLst/>
+          </a:prstGeom>
+          <a:solidFill>
+            <a:schemeClr val="accent4">
+              <a:lumMod val="20000"/>
+              <a:lumOff val="80000"/>
+            </a:schemeClr>
+          </a:solidFill>
+        </p:spPr>
+        <p:style>
+          <a:lnRef idx="2">
+            <a:schemeClr val="accent1">
+              <a:shade val="50000"/>
+            </a:schemeClr>
+          </a:lnRef>
+          <a:fillRef idx="1">
+            <a:schemeClr val="accent1"/>
+          </a:fillRef>
+          <a:effectRef idx="0">
+            <a:schemeClr val="accent1"/>
+          </a:effectRef>
+          <a:fontRef idx="minor">
+            <a:schemeClr val="lt1"/>
+          </a:fontRef>
+        </p:style>
+        <p:txBody>
+          <a:bodyPr rtlCol="0" anchor="ctr"/>
+          <a:lstStyle/>
+          <a:p>
+            <a:pPr algn="ctr"/>
+            <a:r>
+              <a:rPr lang="en-US" sz="1400" dirty="0" err="1">
+                <a:solidFill>
+                  <a:schemeClr val="tx1"/>
+                </a:solidFill>
+              </a:rPr>
+              <a:t>PropertyName</a:t>
+            </a:r>
+            <a:endParaRPr lang="en-US" sz="1400" dirty="0">
+              <a:solidFill>
+                <a:schemeClr val="tx1"/>
+              </a:solidFill>
+            </a:endParaRPr>
+          </a:p>
+        </p:txBody>
+      </p:sp>
+      <p:cxnSp>
+        <p:nvCxnSpPr>
+          <p:cNvPr id="75" name="Straight Connector 74">
+            <a:extLst>
+              <a:ext uri="{FF2B5EF4-FFF2-40B4-BE49-F238E27FC236}">
+                <a16:creationId xmlns:a16="http://schemas.microsoft.com/office/drawing/2014/main" id="{AB78455D-2B3C-49A1-91C5-BE121A39AD8B}"/>
+              </a:ext>
+            </a:extLst>
+          </p:cNvPr>
+          <p:cNvCxnSpPr>
+            <a:cxnSpLocks/>
+            <a:stCxn id="74" idx="0"/>
+            <a:endCxn id="73" idx="4"/>
+          </p:cNvCxnSpPr>
+          <p:nvPr/>
+        </p:nvCxnSpPr>
+        <p:spPr>
+          <a:xfrm flipV="1">
+            <a:off x="8197655" y="1276046"/>
+            <a:ext cx="609488" cy="1168671"/>
+          </a:xfrm>
+          <a:prstGeom prst="line">
+            <a:avLst/>
+          </a:prstGeom>
+        </p:spPr>
+        <p:style>
+          <a:lnRef idx="1">
+            <a:schemeClr val="accent1"/>
+          </a:lnRef>
+          <a:fillRef idx="0">
+            <a:schemeClr val="accent1"/>
+          </a:fillRef>
+          <a:effectRef idx="0">
+            <a:schemeClr val="accent1"/>
+          </a:effectRef>
+          <a:fontRef idx="minor">
+            <a:schemeClr val="tx1"/>
+          </a:fontRef>
+        </p:style>
+      </p:cxnSp>
+      <p:sp>
+        <p:nvSpPr>
+          <p:cNvPr id="99" name="Oval 98">
+            <a:extLst>
+              <a:ext uri="{FF2B5EF4-FFF2-40B4-BE49-F238E27FC236}">
+                <a16:creationId xmlns:a16="http://schemas.microsoft.com/office/drawing/2014/main" id="{5F111DAF-2F11-4F45-9983-B35126C1598C}"/>
+              </a:ext>
+            </a:extLst>
+          </p:cNvPr>
+          <p:cNvSpPr/>
+          <p:nvPr/>
+        </p:nvSpPr>
+        <p:spPr>
+          <a:xfrm>
+            <a:off x="9558322" y="2959735"/>
+            <a:ext cx="1078964" cy="377663"/>
+          </a:xfrm>
+          <a:prstGeom prst="ellipse">
+            <a:avLst/>
+          </a:prstGeom>
+          <a:solidFill>
+            <a:schemeClr val="accent4">
+              <a:lumMod val="20000"/>
+              <a:lumOff val="80000"/>
+            </a:schemeClr>
+          </a:solidFill>
+        </p:spPr>
+        <p:style>
+          <a:lnRef idx="2">
+            <a:schemeClr val="accent1">
+              <a:shade val="50000"/>
+            </a:schemeClr>
+          </a:lnRef>
+          <a:fillRef idx="1">
+            <a:schemeClr val="accent1"/>
+          </a:fillRef>
+          <a:effectRef idx="0">
+            <a:schemeClr val="accent1"/>
+          </a:effectRef>
+          <a:fontRef idx="minor">
+            <a:schemeClr val="lt1"/>
+          </a:fontRef>
+        </p:style>
+        <p:txBody>
+          <a:bodyPr rtlCol="0" anchor="ctr"/>
+          <a:lstStyle/>
+          <a:p>
+            <a:pPr algn="ctr"/>
+            <a:r>
+              <a:rPr lang="en-US" sz="1400" dirty="0">
+                <a:solidFill>
+                  <a:schemeClr val="tx1"/>
+                </a:solidFill>
+              </a:rPr>
+              <a:t>Country</a:t>
+            </a:r>
+          </a:p>
+        </p:txBody>
+      </p:sp>
+      <p:cxnSp>
+        <p:nvCxnSpPr>
+          <p:cNvPr id="100" name="Straight Connector 99">
+            <a:extLst>
+              <a:ext uri="{FF2B5EF4-FFF2-40B4-BE49-F238E27FC236}">
+                <a16:creationId xmlns:a16="http://schemas.microsoft.com/office/drawing/2014/main" id="{C8E4DA08-986A-4176-A975-A59435CB0697}"/>
+              </a:ext>
+            </a:extLst>
+          </p:cNvPr>
+          <p:cNvCxnSpPr>
+            <a:cxnSpLocks/>
+            <a:stCxn id="99" idx="2"/>
+            <a:endCxn id="74" idx="3"/>
+          </p:cNvCxnSpPr>
+          <p:nvPr/>
+        </p:nvCxnSpPr>
+        <p:spPr>
+          <a:xfrm flipH="1" flipV="1">
+            <a:off x="8699246" y="2652380"/>
+            <a:ext cx="859076" cy="496187"/>
+          </a:xfrm>
+          <a:prstGeom prst="line">
+            <a:avLst/>
+          </a:prstGeom>
+          <a:solidFill>
+            <a:schemeClr val="accent4">
+              <a:lumMod val="20000"/>
+              <a:lumOff val="80000"/>
+            </a:schemeClr>
+          </a:solidFill>
+        </p:spPr>
+        <p:style>
+          <a:lnRef idx="1">
+            <a:schemeClr val="accent1"/>
+          </a:lnRef>
+          <a:fillRef idx="0">
+            <a:schemeClr val="accent1"/>
+          </a:fillRef>
+          <a:effectRef idx="0">
+            <a:schemeClr val="accent1"/>
+          </a:effectRef>
+          <a:fontRef idx="minor">
+            <a:schemeClr val="tx1"/>
+          </a:fontRef>
+        </p:style>
+      </p:cxnSp>
+      <p:cxnSp>
+        <p:nvCxnSpPr>
+          <p:cNvPr id="103" name="Straight Connector 102">
+            <a:extLst>
+              <a:ext uri="{FF2B5EF4-FFF2-40B4-BE49-F238E27FC236}">
+                <a16:creationId xmlns:a16="http://schemas.microsoft.com/office/drawing/2014/main" id="{226B02EC-9DFC-4E85-983C-2193350FA8B9}"/>
+              </a:ext>
+            </a:extLst>
+          </p:cNvPr>
+          <p:cNvCxnSpPr>
+            <a:cxnSpLocks/>
+            <a:stCxn id="106" idx="1"/>
+            <a:endCxn id="74" idx="3"/>
+          </p:cNvCxnSpPr>
+          <p:nvPr/>
+        </p:nvCxnSpPr>
+        <p:spPr>
+          <a:xfrm flipH="1" flipV="1">
+            <a:off x="8699246" y="2652380"/>
+            <a:ext cx="690697" cy="963399"/>
+          </a:xfrm>
+          <a:prstGeom prst="line">
+            <a:avLst/>
+          </a:prstGeom>
+          <a:solidFill>
+            <a:schemeClr val="accent4">
+              <a:lumMod val="20000"/>
+              <a:lumOff val="80000"/>
+            </a:schemeClr>
+          </a:solidFill>
+        </p:spPr>
+        <p:style>
+          <a:lnRef idx="1">
+            <a:schemeClr val="accent1"/>
+          </a:lnRef>
+          <a:fillRef idx="0">
+            <a:schemeClr val="accent1"/>
+          </a:fillRef>
+          <a:effectRef idx="0">
+            <a:schemeClr val="accent1"/>
+          </a:effectRef>
+          <a:fontRef idx="minor">
+            <a:schemeClr val="tx1"/>
+          </a:fontRef>
+        </p:style>
+      </p:cxnSp>
+      <p:sp>
+        <p:nvSpPr>
+          <p:cNvPr id="106" name="Oval 105">
+            <a:extLst>
+              <a:ext uri="{FF2B5EF4-FFF2-40B4-BE49-F238E27FC236}">
+                <a16:creationId xmlns:a16="http://schemas.microsoft.com/office/drawing/2014/main" id="{A5195B72-03F4-41EF-8B6F-57DA1D326C19}"/>
+              </a:ext>
+            </a:extLst>
+          </p:cNvPr>
+          <p:cNvSpPr/>
+          <p:nvPr/>
+        </p:nvSpPr>
+        <p:spPr>
+          <a:xfrm>
+            <a:off x="9196322" y="3560472"/>
+            <a:ext cx="1322128" cy="377663"/>
+          </a:xfrm>
+          <a:prstGeom prst="ellipse">
+            <a:avLst/>
+          </a:prstGeom>
+          <a:solidFill>
+            <a:schemeClr val="accent4">
+              <a:lumMod val="20000"/>
+              <a:lumOff val="80000"/>
+            </a:schemeClr>
+          </a:solidFill>
+        </p:spPr>
+        <p:style>
+          <a:lnRef idx="2">
+            <a:schemeClr val="accent1">
+              <a:shade val="50000"/>
+            </a:schemeClr>
+          </a:lnRef>
+          <a:fillRef idx="1">
+            <a:schemeClr val="accent1"/>
+          </a:fillRef>
+          <a:effectRef idx="0">
+            <a:schemeClr val="accent1"/>
+          </a:effectRef>
+          <a:fontRef idx="minor">
+            <a:schemeClr val="lt1"/>
+          </a:fontRef>
+        </p:style>
+        <p:txBody>
+          <a:bodyPr rtlCol="0" anchor="ctr"/>
+          <a:lstStyle/>
+          <a:p>
+            <a:pPr algn="ctr"/>
+            <a:r>
+              <a:rPr lang="en-US" sz="1400" dirty="0" err="1">
+                <a:solidFill>
+                  <a:schemeClr val="tx1"/>
+                </a:solidFill>
+              </a:rPr>
+              <a:t>ImageLink</a:t>
+            </a:r>
+            <a:endParaRPr lang="en-US" sz="1400" dirty="0">
+              <a:solidFill>
+                <a:schemeClr val="tx1"/>
+              </a:solidFill>
+            </a:endParaRPr>
+          </a:p>
+        </p:txBody>
+      </p:sp>
     </p:spTree>
     <p:extLst>
       <p:ext uri="{BB962C8B-B14F-4D97-AF65-F5344CB8AC3E}">
